--- a/designs/function-node-lifecycle/lifecycle.pptx
+++ b/designs/function-node-lifecycle/lifecycle.pptx
@@ -5,14 +5,13 @@
     <p:sldMasterId id="2147483648" r:id="rId1"/>
   </p:sldMasterIdLst>
   <p:notesMasterIdLst>
-    <p:notesMasterId r:id="rId4"/>
+    <p:notesMasterId r:id="rId3"/>
   </p:notesMasterIdLst>
   <p:handoutMasterIdLst>
-    <p:handoutMasterId r:id="rId5"/>
+    <p:handoutMasterId r:id="rId4"/>
   </p:handoutMasterIdLst>
   <p:sldIdLst>
-    <p:sldId id="533" r:id="rId2"/>
-    <p:sldId id="560" r:id="rId3"/>
+    <p:sldId id="560" r:id="rId2"/>
   </p:sldIdLst>
   <p:sldSz cx="9144000" cy="6858000" type="screen4x3"/>
   <p:notesSz cx="6735763" cy="9866313"/>
@@ -2522,511 +2521,6 @@
       </p:grpSpPr>
       <p:sp>
         <p:nvSpPr>
-          <p:cNvPr id="3" name="スライド番号プレースホルダー 2">
-            <a:extLst>
-              <a:ext uri="{FF2B5EF4-FFF2-40B4-BE49-F238E27FC236}">
-                <a16:creationId xmlns:a16="http://schemas.microsoft.com/office/drawing/2014/main" id="{0F3C7B14-E6FE-44DB-8175-A03BC0969F42}"/>
-              </a:ext>
-            </a:extLst>
-          </p:cNvPr>
-          <p:cNvSpPr>
-            <a:spLocks noGrp="1"/>
-          </p:cNvSpPr>
-          <p:nvPr>
-            <p:ph type="sldNum" sz="quarter" idx="10"/>
-          </p:nvPr>
-        </p:nvSpPr>
-        <p:spPr/>
-        <p:txBody>
-          <a:bodyPr/>
-          <a:lstStyle/>
-          <a:p>
-            <a:pPr>
-              <a:defRPr/>
-            </a:pPr>
-            <a:fld id="{B69A64E9-DEE1-40B5-88E8-A6C3DD001D0B}" type="slidenum">
-              <a:rPr lang="en-US" altLang="ja-JP" smtClean="0"/>
-              <a:pPr>
-                <a:defRPr/>
-              </a:pPr>
-              <a:t>0</a:t>
-            </a:fld>
-            <a:endParaRPr lang="en-US" altLang="ja-JP"/>
-          </a:p>
-        </p:txBody>
-      </p:sp>
-      <p:sp>
-        <p:nvSpPr>
-          <p:cNvPr id="2" name="タイトル 1">
-            <a:extLst>
-              <a:ext uri="{FF2B5EF4-FFF2-40B4-BE49-F238E27FC236}">
-                <a16:creationId xmlns:a16="http://schemas.microsoft.com/office/drawing/2014/main" id="{9546E37F-CDED-4CD2-BCB5-B654AC788013}"/>
-              </a:ext>
-            </a:extLst>
-          </p:cNvPr>
-          <p:cNvSpPr>
-            <a:spLocks noGrp="1"/>
-          </p:cNvSpPr>
-          <p:nvPr>
-            <p:ph type="title" idx="4294967295"/>
-          </p:nvPr>
-        </p:nvSpPr>
-        <p:spPr>
-          <a:xfrm>
-            <a:off x="0" y="179388"/>
-            <a:ext cx="6083300" cy="482600"/>
-          </a:xfrm>
-          <a:prstGeom prst="rect">
-            <a:avLst/>
-          </a:prstGeom>
-        </p:spPr>
-        <p:txBody>
-          <a:bodyPr/>
-          <a:lstStyle/>
-          <a:p>
-            <a:r>
-              <a:rPr lang="en-US" altLang="ja-JP" dirty="0"/>
-              <a:t>[2] Importing External NPM Module</a:t>
-            </a:r>
-            <a:endParaRPr kumimoji="1" lang="ja-JP" altLang="en-US" dirty="0"/>
-          </a:p>
-        </p:txBody>
-      </p:sp>
-      <p:pic>
-        <p:nvPicPr>
-          <p:cNvPr id="9" name="図 8" descr="スクリーンショットの画面&#10;&#10;自動的に生成された説明">
-            <a:extLst>
-              <a:ext uri="{FF2B5EF4-FFF2-40B4-BE49-F238E27FC236}">
-                <a16:creationId xmlns:a16="http://schemas.microsoft.com/office/drawing/2014/main" id="{B0474AE0-1B2D-48E1-BBE0-84DC07169D06}"/>
-              </a:ext>
-            </a:extLst>
-          </p:cNvPr>
-          <p:cNvPicPr>
-            <a:picLocks noChangeAspect="1"/>
-          </p:cNvPicPr>
-          <p:nvPr/>
-        </p:nvPicPr>
-        <p:blipFill>
-          <a:blip r:embed="rId2"/>
-          <a:stretch>
-            <a:fillRect/>
-          </a:stretch>
-        </p:blipFill>
-        <p:spPr>
-          <a:xfrm>
-            <a:off x="634983" y="2094906"/>
-            <a:ext cx="2240518" cy="1977931"/>
-          </a:xfrm>
-          <a:prstGeom prst="rect">
-            <a:avLst/>
-          </a:prstGeom>
-        </p:spPr>
-      </p:pic>
-      <p:pic>
-        <p:nvPicPr>
-          <p:cNvPr id="14" name="図 13" descr="パソコンの画面&#10;&#10;自動的に生成された説明">
-            <a:extLst>
-              <a:ext uri="{FF2B5EF4-FFF2-40B4-BE49-F238E27FC236}">
-                <a16:creationId xmlns:a16="http://schemas.microsoft.com/office/drawing/2014/main" id="{7773B435-888C-4456-95C2-D7BC68667DC8}"/>
-              </a:ext>
-            </a:extLst>
-          </p:cNvPr>
-          <p:cNvPicPr>
-            <a:picLocks noChangeAspect="1"/>
-          </p:cNvPicPr>
-          <p:nvPr/>
-        </p:nvPicPr>
-        <p:blipFill>
-          <a:blip r:embed="rId3"/>
-          <a:stretch>
-            <a:fillRect/>
-          </a:stretch>
-        </p:blipFill>
-        <p:spPr>
-          <a:xfrm>
-            <a:off x="3849379" y="2023115"/>
-            <a:ext cx="2771255" cy="2121512"/>
-          </a:xfrm>
-          <a:prstGeom prst="rect">
-            <a:avLst/>
-          </a:prstGeom>
-        </p:spPr>
-      </p:pic>
-      <p:sp>
-        <p:nvSpPr>
-          <p:cNvPr id="15" name="矢印: 右 14">
-            <a:extLst>
-              <a:ext uri="{FF2B5EF4-FFF2-40B4-BE49-F238E27FC236}">
-                <a16:creationId xmlns:a16="http://schemas.microsoft.com/office/drawing/2014/main" id="{ABB28996-4600-4B0F-A9A9-A554C5F8614E}"/>
-              </a:ext>
-            </a:extLst>
-          </p:cNvPr>
-          <p:cNvSpPr/>
-          <p:nvPr/>
-        </p:nvSpPr>
-        <p:spPr bwMode="auto">
-          <a:xfrm>
-            <a:off x="2680948" y="2380705"/>
-            <a:ext cx="1592178" cy="389107"/>
-          </a:xfrm>
-          <a:prstGeom prst="rightArrow">
-            <a:avLst/>
-          </a:prstGeom>
-          <a:solidFill>
-            <a:schemeClr val="accent1">
-              <a:alpha val="50000"/>
-            </a:schemeClr>
-          </a:solidFill>
-          <a:ln>
-            <a:noFill/>
-          </a:ln>
-        </p:spPr>
-        <p:style>
-          <a:lnRef idx="0">
-            <a:scrgbClr r="0" g="0" b="0"/>
-          </a:lnRef>
-          <a:fillRef idx="0">
-            <a:scrgbClr r="0" g="0" b="0"/>
-          </a:fillRef>
-          <a:effectRef idx="0">
-            <a:scrgbClr r="0" g="0" b="0"/>
-          </a:effectRef>
-          <a:fontRef idx="minor">
-            <a:schemeClr val="lt1"/>
-          </a:fontRef>
-        </p:style>
-        <p:txBody>
-          <a:bodyPr wrap="none" rtlCol="0" anchor="ctr" anchorCtr="0">
-            <a:noAutofit/>
-          </a:bodyPr>
-          <a:lstStyle/>
-          <a:p>
-            <a:pPr algn="ctr"/>
-            <a:endParaRPr kumimoji="1" lang="ja-JP" altLang="en-US" sz="1800">
-              <a:solidFill>
-                <a:schemeClr val="tx1"/>
-              </a:solidFill>
-            </a:endParaRPr>
-          </a:p>
-        </p:txBody>
-      </p:sp>
-      <p:sp>
-        <p:nvSpPr>
-          <p:cNvPr id="16" name="テキスト ボックス 15">
-            <a:extLst>
-              <a:ext uri="{FF2B5EF4-FFF2-40B4-BE49-F238E27FC236}">
-                <a16:creationId xmlns:a16="http://schemas.microsoft.com/office/drawing/2014/main" id="{D0895744-2543-4740-BC1D-3D97A424199C}"/>
-              </a:ext>
-            </a:extLst>
-          </p:cNvPr>
-          <p:cNvSpPr txBox="1"/>
-          <p:nvPr/>
-        </p:nvSpPr>
-        <p:spPr>
-          <a:xfrm>
-            <a:off x="2772717" y="2712376"/>
-            <a:ext cx="1438214" cy="343235"/>
-          </a:xfrm>
-          <a:prstGeom prst="rect">
-            <a:avLst/>
-          </a:prstGeom>
-          <a:noFill/>
-        </p:spPr>
-        <p:txBody>
-          <a:bodyPr wrap="none" rtlCol="0">
-            <a:spAutoFit/>
-          </a:bodyPr>
-          <a:lstStyle/>
-          <a:p>
-            <a:pPr algn="l"/>
-            <a:r>
-              <a:rPr kumimoji="1" lang="en-US" altLang="ja-JP" sz="1800" dirty="0">
-                <a:solidFill>
-                  <a:schemeClr val="tx1"/>
-                </a:solidFill>
-                <a:latin typeface="游ゴシック Medium" panose="020B0500000000000000" pitchFamily="50" charset="-128"/>
-                <a:ea typeface="游ゴシック Medium" panose="020B0500000000000000" pitchFamily="50" charset="-128"/>
-              </a:rPr>
-              <a:t>require A, B</a:t>
-            </a:r>
-            <a:endParaRPr kumimoji="1" lang="ja-JP" altLang="en-US" sz="1800" dirty="0">
-              <a:solidFill>
-                <a:schemeClr val="tx1"/>
-              </a:solidFill>
-              <a:latin typeface="游ゴシック Medium" panose="020B0500000000000000" pitchFamily="50" charset="-128"/>
-              <a:ea typeface="游ゴシック Medium" panose="020B0500000000000000" pitchFamily="50" charset="-128"/>
-            </a:endParaRPr>
-          </a:p>
-        </p:txBody>
-      </p:sp>
-      <p:sp>
-        <p:nvSpPr>
-          <p:cNvPr id="17" name="テキスト ボックス 16">
-            <a:extLst>
-              <a:ext uri="{FF2B5EF4-FFF2-40B4-BE49-F238E27FC236}">
-                <a16:creationId xmlns:a16="http://schemas.microsoft.com/office/drawing/2014/main" id="{7689FAE6-66F5-49CD-85AF-C9854B9130F5}"/>
-              </a:ext>
-            </a:extLst>
-          </p:cNvPr>
-          <p:cNvSpPr txBox="1"/>
-          <p:nvPr/>
-        </p:nvSpPr>
-        <p:spPr>
-          <a:xfrm>
-            <a:off x="4891215" y="2588309"/>
-            <a:ext cx="1457450" cy="757130"/>
-          </a:xfrm>
-          <a:prstGeom prst="rect">
-            <a:avLst/>
-          </a:prstGeom>
-          <a:solidFill>
-            <a:schemeClr val="bg1"/>
-          </a:solidFill>
-          <a:ln>
-            <a:solidFill>
-              <a:schemeClr val="tx1"/>
-            </a:solidFill>
-          </a:ln>
-          <a:effectLst>
-            <a:outerShdw blurRad="50800" dist="38100" dir="2700000" algn="tl" rotWithShape="0">
-              <a:prstClr val="black">
-                <a:alpha val="40000"/>
-              </a:prstClr>
-            </a:outerShdw>
-          </a:effectLst>
-        </p:spPr>
-        <p:txBody>
-          <a:bodyPr wrap="none" rtlCol="0">
-            <a:spAutoFit/>
-          </a:bodyPr>
-          <a:lstStyle/>
-          <a:p>
-            <a:pPr algn="l"/>
-            <a:r>
-              <a:rPr kumimoji="1" lang="en-US" altLang="ja-JP" sz="1600" dirty="0">
-                <a:solidFill>
-                  <a:schemeClr val="tx1"/>
-                </a:solidFill>
-                <a:latin typeface="游ゴシック Medium" panose="020B0500000000000000" pitchFamily="50" charset="-128"/>
-                <a:ea typeface="游ゴシック Medium" panose="020B0500000000000000" pitchFamily="50" charset="-128"/>
-              </a:rPr>
-              <a:t>Install</a:t>
-            </a:r>
-          </a:p>
-          <a:p>
-            <a:pPr algn="l"/>
-            <a:r>
-              <a:rPr lang="en-US" altLang="ja-JP" sz="1600" dirty="0">
-                <a:solidFill>
-                  <a:schemeClr val="tx1"/>
-                </a:solidFill>
-                <a:latin typeface="游ゴシック Medium" panose="020B0500000000000000" pitchFamily="50" charset="-128"/>
-                <a:ea typeface="游ゴシック Medium" panose="020B0500000000000000" pitchFamily="50" charset="-128"/>
-              </a:rPr>
-              <a:t>  </a:t>
-            </a:r>
-            <a:r>
-              <a:rPr lang="ja-JP" altLang="en-US" sz="1600" dirty="0">
-                <a:solidFill>
-                  <a:schemeClr val="tx1"/>
-                </a:solidFill>
-                <a:latin typeface="游ゴシック Medium" panose="020B0500000000000000" pitchFamily="50" charset="-128"/>
-                <a:ea typeface="游ゴシック Medium" panose="020B0500000000000000" pitchFamily="50" charset="-128"/>
-              </a:rPr>
-              <a:t>☐ </a:t>
-            </a:r>
-            <a:r>
-              <a:rPr lang="en-US" altLang="ja-JP" sz="1600" dirty="0">
-                <a:solidFill>
-                  <a:schemeClr val="tx1"/>
-                </a:solidFill>
-                <a:latin typeface="游ゴシック Medium" panose="020B0500000000000000" pitchFamily="50" charset="-128"/>
-                <a:ea typeface="游ゴシック Medium" panose="020B0500000000000000" pitchFamily="50" charset="-128"/>
-              </a:rPr>
-              <a:t>module A</a:t>
-            </a:r>
-          </a:p>
-          <a:p>
-            <a:pPr algn="l"/>
-            <a:r>
-              <a:rPr kumimoji="1" lang="en-US" altLang="ja-JP" sz="1600" dirty="0">
-                <a:solidFill>
-                  <a:schemeClr val="tx1"/>
-                </a:solidFill>
-                <a:latin typeface="游ゴシック Medium" panose="020B0500000000000000" pitchFamily="50" charset="-128"/>
-                <a:ea typeface="游ゴシック Medium" panose="020B0500000000000000" pitchFamily="50" charset="-128"/>
-              </a:rPr>
-              <a:t>  </a:t>
-            </a:r>
-            <a:r>
-              <a:rPr lang="ja-JP" altLang="en-US" sz="1600" dirty="0">
-                <a:solidFill>
-                  <a:schemeClr val="tx1"/>
-                </a:solidFill>
-                <a:latin typeface="游ゴシック Medium" panose="020B0500000000000000" pitchFamily="50" charset="-128"/>
-                <a:ea typeface="游ゴシック Medium" panose="020B0500000000000000" pitchFamily="50" charset="-128"/>
-              </a:rPr>
-              <a:t>☑ </a:t>
-            </a:r>
-            <a:r>
-              <a:rPr kumimoji="1" lang="en-US" altLang="ja-JP" sz="1600" dirty="0">
-                <a:solidFill>
-                  <a:schemeClr val="tx1"/>
-                </a:solidFill>
-                <a:latin typeface="游ゴシック Medium" panose="020B0500000000000000" pitchFamily="50" charset="-128"/>
-                <a:ea typeface="游ゴシック Medium" panose="020B0500000000000000" pitchFamily="50" charset="-128"/>
-              </a:rPr>
-              <a:t>module B</a:t>
-            </a:r>
-            <a:endParaRPr kumimoji="1" lang="ja-JP" altLang="en-US" sz="1600" dirty="0">
-              <a:solidFill>
-                <a:schemeClr val="tx1"/>
-              </a:solidFill>
-              <a:latin typeface="游ゴシック Medium" panose="020B0500000000000000" pitchFamily="50" charset="-128"/>
-              <a:ea typeface="游ゴシック Medium" panose="020B0500000000000000" pitchFamily="50" charset="-128"/>
-            </a:endParaRPr>
-          </a:p>
-        </p:txBody>
-      </p:sp>
-      <p:sp>
-        <p:nvSpPr>
-          <p:cNvPr id="18" name="矢印: 右 17">
-            <a:extLst>
-              <a:ext uri="{FF2B5EF4-FFF2-40B4-BE49-F238E27FC236}">
-                <a16:creationId xmlns:a16="http://schemas.microsoft.com/office/drawing/2014/main" id="{B0C12F5B-985A-4B8F-AC48-417B7917D8AE}"/>
-              </a:ext>
-            </a:extLst>
-          </p:cNvPr>
-          <p:cNvSpPr/>
-          <p:nvPr/>
-        </p:nvSpPr>
-        <p:spPr bwMode="auto">
-          <a:xfrm>
-            <a:off x="6232860" y="2947534"/>
-            <a:ext cx="1157641" cy="389107"/>
-          </a:xfrm>
-          <a:prstGeom prst="rightArrow">
-            <a:avLst/>
-          </a:prstGeom>
-          <a:solidFill>
-            <a:schemeClr val="accent1">
-              <a:alpha val="50000"/>
-            </a:schemeClr>
-          </a:solidFill>
-          <a:ln>
-            <a:noFill/>
-          </a:ln>
-        </p:spPr>
-        <p:style>
-          <a:lnRef idx="0">
-            <a:scrgbClr r="0" g="0" b="0"/>
-          </a:lnRef>
-          <a:fillRef idx="0">
-            <a:scrgbClr r="0" g="0" b="0"/>
-          </a:fillRef>
-          <a:effectRef idx="0">
-            <a:scrgbClr r="0" g="0" b="0"/>
-          </a:effectRef>
-          <a:fontRef idx="minor">
-            <a:schemeClr val="lt1"/>
-          </a:fontRef>
-        </p:style>
-        <p:txBody>
-          <a:bodyPr wrap="none" rtlCol="0" anchor="ctr" anchorCtr="0">
-            <a:noAutofit/>
-          </a:bodyPr>
-          <a:lstStyle/>
-          <a:p>
-            <a:pPr algn="ctr"/>
-            <a:endParaRPr kumimoji="1" lang="ja-JP" altLang="en-US" sz="1800">
-              <a:solidFill>
-                <a:schemeClr val="tx1"/>
-              </a:solidFill>
-            </a:endParaRPr>
-          </a:p>
-        </p:txBody>
-      </p:sp>
-      <p:sp>
-        <p:nvSpPr>
-          <p:cNvPr id="19" name="テキスト ボックス 18">
-            <a:extLst>
-              <a:ext uri="{FF2B5EF4-FFF2-40B4-BE49-F238E27FC236}">
-                <a16:creationId xmlns:a16="http://schemas.microsoft.com/office/drawing/2014/main" id="{3589F182-FACB-4238-B8EF-A90511FB133D}"/>
-              </a:ext>
-            </a:extLst>
-          </p:cNvPr>
-          <p:cNvSpPr txBox="1"/>
-          <p:nvPr/>
-        </p:nvSpPr>
-        <p:spPr>
-          <a:xfrm>
-            <a:off x="7343778" y="2984018"/>
-            <a:ext cx="1584088" cy="343235"/>
-          </a:xfrm>
-          <a:prstGeom prst="rect">
-            <a:avLst/>
-          </a:prstGeom>
-          <a:noFill/>
-        </p:spPr>
-        <p:txBody>
-          <a:bodyPr wrap="none" rtlCol="0">
-            <a:spAutoFit/>
-          </a:bodyPr>
-          <a:lstStyle/>
-          <a:p>
-            <a:pPr algn="l"/>
-            <a:r>
-              <a:rPr kumimoji="1" lang="en-US" altLang="ja-JP" sz="1800" dirty="0">
-                <a:solidFill>
-                  <a:schemeClr val="tx1"/>
-                </a:solidFill>
-                <a:latin typeface="游ゴシック Medium" panose="020B0500000000000000" pitchFamily="50" charset="-128"/>
-                <a:ea typeface="游ゴシック Medium" panose="020B0500000000000000" pitchFamily="50" charset="-128"/>
-              </a:rPr>
-              <a:t>npm install B</a:t>
-            </a:r>
-            <a:endParaRPr kumimoji="1" lang="ja-JP" altLang="en-US" sz="1800" dirty="0">
-              <a:solidFill>
-                <a:schemeClr val="tx1"/>
-              </a:solidFill>
-              <a:latin typeface="游ゴシック Medium" panose="020B0500000000000000" pitchFamily="50" charset="-128"/>
-              <a:ea typeface="游ゴシック Medium" panose="020B0500000000000000" pitchFamily="50" charset="-128"/>
-            </a:endParaRPr>
-          </a:p>
-        </p:txBody>
-      </p:sp>
-    </p:spTree>
-    <p:extLst>
-      <p:ext uri="{BB962C8B-B14F-4D97-AF65-F5344CB8AC3E}">
-        <p14:creationId xmlns:p14="http://schemas.microsoft.com/office/powerpoint/2010/main" val="1336011502"/>
-      </p:ext>
-    </p:extLst>
-  </p:cSld>
-  <p:clrMapOvr>
-    <a:masterClrMapping/>
-  </p:clrMapOvr>
-</p:sld>
-</file>
-
-<file path=ppt/slides/slide2.xml><?xml version="1.0" encoding="utf-8"?>
-<p:sld xmlns:a="http://schemas.openxmlformats.org/drawingml/2006/main" xmlns:r="http://schemas.openxmlformats.org/officeDocument/2006/relationships" xmlns:p="http://schemas.openxmlformats.org/presentationml/2006/main">
-  <p:cSld>
-    <p:spTree>
-      <p:nvGrpSpPr>
-        <p:cNvPr id="1" name=""/>
-        <p:cNvGrpSpPr/>
-        <p:nvPr/>
-      </p:nvGrpSpPr>
-      <p:grpSpPr>
-        <a:xfrm>
-          <a:off x="0" y="0"/>
-          <a:ext cx="0" cy="0"/>
-          <a:chOff x="0" y="0"/>
-          <a:chExt cx="0" cy="0"/>
-        </a:xfrm>
-      </p:grpSpPr>
-      <p:sp>
-        <p:nvSpPr>
           <p:cNvPr id="2" name="タイトル 1">
             <a:extLst>
               <a:ext uri="{FF2B5EF4-FFF2-40B4-BE49-F238E27FC236}">
@@ -3091,7 +2585,7 @@
               <a:pPr>
                 <a:defRPr/>
               </a:pPr>
-              <a:t>1</a:t>
+              <a:t>0</a:t>
             </a:fld>
             <a:endParaRPr lang="en-US" altLang="ja-JP"/>
           </a:p>
@@ -3111,8 +2605,8 @@
         </p:nvSpPr>
         <p:spPr>
           <a:xfrm>
-            <a:off x="1159208" y="1110344"/>
-            <a:ext cx="4131259" cy="481350"/>
+            <a:off x="1159207" y="772697"/>
+            <a:ext cx="2526654" cy="481350"/>
           </a:xfrm>
           <a:prstGeom prst="rect">
             <a:avLst/>
@@ -3156,27 +2650,7 @@
                 <a:latin typeface="游ゴシック Medium" panose="020B0500000000000000" pitchFamily="50" charset="-128"/>
                 <a:ea typeface="游ゴシック Medium" panose="020B0500000000000000" pitchFamily="50" charset="-128"/>
               </a:rPr>
-              <a:t>(code, </a:t>
-            </a:r>
-            <a:r>
-              <a:rPr lang="en-US" altLang="ja-JP" sz="1400" dirty="0" err="1">
-                <a:solidFill>
-                  <a:schemeClr val="tx1"/>
-                </a:solidFill>
-                <a:latin typeface="游ゴシック Medium" panose="020B0500000000000000" pitchFamily="50" charset="-128"/>
-                <a:ea typeface="游ゴシック Medium" panose="020B0500000000000000" pitchFamily="50" charset="-128"/>
-              </a:rPr>
-              <a:t>dynamicModuleList</a:t>
-            </a:r>
-            <a:r>
-              <a:rPr lang="en-US" altLang="ja-JP" sz="1400" dirty="0">
-                <a:solidFill>
-                  <a:schemeClr val="tx1"/>
-                </a:solidFill>
-                <a:latin typeface="游ゴシック Medium" panose="020B0500000000000000" pitchFamily="50" charset="-128"/>
-                <a:ea typeface="游ゴシック Medium" panose="020B0500000000000000" pitchFamily="50" charset="-128"/>
-              </a:rPr>
-              <a:t>, and require list)</a:t>
+              <a:t>(code, and modules list)</a:t>
             </a:r>
             <a:endParaRPr kumimoji="1" lang="en-US" altLang="ja-JP" sz="1400" dirty="0">
               <a:solidFill>
@@ -3202,8 +2676,8 @@
         </p:nvSpPr>
         <p:spPr>
           <a:xfrm>
-            <a:off x="1159208" y="1982103"/>
-            <a:ext cx="2876108" cy="1450846"/>
+            <a:off x="1159207" y="2267348"/>
+            <a:ext cx="2661306" cy="869149"/>
           </a:xfrm>
           <a:prstGeom prst="rect">
             <a:avLst/>
@@ -3237,79 +2711,6 @@
               <a:buAutoNum type="arabicPeriod"/>
             </a:pPr>
             <a:r>
-              <a:rPr kumimoji="1" lang="en-US" altLang="ja-JP" sz="1400" dirty="0">
-                <a:solidFill>
-                  <a:schemeClr val="tx1"/>
-                </a:solidFill>
-                <a:latin typeface="游ゴシック Medium" panose="020B0500000000000000" pitchFamily="50" charset="-128"/>
-                <a:ea typeface="游ゴシック Medium" panose="020B0500000000000000" pitchFamily="50" charset="-128"/>
-              </a:rPr>
-              <a:t>register required list</a:t>
-            </a:r>
-            <a:br>
-              <a:rPr kumimoji="1" lang="en-US" altLang="ja-JP" sz="1400" dirty="0">
-                <a:solidFill>
-                  <a:schemeClr val="tx1"/>
-                </a:solidFill>
-                <a:latin typeface="游ゴシック Medium" panose="020B0500000000000000" pitchFamily="50" charset="-128"/>
-                <a:ea typeface="游ゴシック Medium" panose="020B0500000000000000" pitchFamily="50" charset="-128"/>
-              </a:rPr>
-            </a:br>
-            <a:r>
-              <a:rPr kumimoji="1" lang="en-US" altLang="ja-JP" sz="1400" dirty="0">
-                <a:solidFill>
-                  <a:schemeClr val="tx1"/>
-                </a:solidFill>
-                <a:latin typeface="游ゴシック Medium" panose="020B0500000000000000" pitchFamily="50" charset="-128"/>
-                <a:ea typeface="游ゴシック Medium" panose="020B0500000000000000" pitchFamily="50" charset="-128"/>
-              </a:rPr>
-              <a:t>to runtime in node </a:t>
-            </a:r>
-            <a:br>
-              <a:rPr kumimoji="1" lang="en-US" altLang="ja-JP" sz="1400" dirty="0">
-                <a:solidFill>
-                  <a:schemeClr val="tx1"/>
-                </a:solidFill>
-                <a:latin typeface="游ゴシック Medium" panose="020B0500000000000000" pitchFamily="50" charset="-128"/>
-                <a:ea typeface="游ゴシック Medium" panose="020B0500000000000000" pitchFamily="50" charset="-128"/>
-              </a:rPr>
-            </a:br>
-            <a:r>
-              <a:rPr kumimoji="1" lang="en-US" altLang="ja-JP" sz="1400" dirty="0">
-                <a:solidFill>
-                  <a:schemeClr val="tx1"/>
-                </a:solidFill>
-                <a:latin typeface="游ゴシック Medium" panose="020B0500000000000000" pitchFamily="50" charset="-128"/>
-                <a:ea typeface="游ゴシック Medium" panose="020B0500000000000000" pitchFamily="50" charset="-128"/>
-              </a:rPr>
-              <a:t>constructor </a:t>
-            </a:r>
-            <a:br>
-              <a:rPr kumimoji="1" lang="en-US" altLang="ja-JP" sz="1400" dirty="0">
-                <a:solidFill>
-                  <a:schemeClr val="tx1"/>
-                </a:solidFill>
-                <a:latin typeface="游ゴシック Medium" panose="020B0500000000000000" pitchFamily="50" charset="-128"/>
-                <a:ea typeface="游ゴシック Medium" panose="020B0500000000000000" pitchFamily="50" charset="-128"/>
-              </a:rPr>
-            </a:br>
-            <a:r>
-              <a:rPr kumimoji="1" lang="en-US" altLang="ja-JP" sz="1400" dirty="0">
-                <a:solidFill>
-                  <a:schemeClr val="tx1"/>
-                </a:solidFill>
-                <a:latin typeface="游ゴシック Medium" panose="020B0500000000000000" pitchFamily="50" charset="-128"/>
-                <a:ea typeface="游ゴシック Medium" panose="020B0500000000000000" pitchFamily="50" charset="-128"/>
-              </a:rPr>
-              <a:t>(before execution)</a:t>
-            </a:r>
-          </a:p>
-          <a:p>
-            <a:pPr marL="800100" lvl="1" indent="-342900">
-              <a:buFont typeface="+mj-lt"/>
-              <a:buAutoNum type="arabicPeriod"/>
-            </a:pPr>
-            <a:r>
               <a:rPr lang="en-US" altLang="ja-JP" sz="1400" dirty="0">
                 <a:solidFill>
                   <a:schemeClr val="tx1"/>
@@ -3317,7 +2718,7 @@
                 <a:latin typeface="游ゴシック Medium" panose="020B0500000000000000" pitchFamily="50" charset="-128"/>
                 <a:ea typeface="游ゴシック Medium" panose="020B0500000000000000" pitchFamily="50" charset="-128"/>
               </a:rPr>
-              <a:t>assign module objects</a:t>
+              <a:t>load and assign </a:t>
             </a:r>
             <a:br>
               <a:rPr lang="en-US" altLang="ja-JP" sz="1400" dirty="0">
@@ -3336,7 +2737,26 @@
                 <a:latin typeface="游ゴシック Medium" panose="020B0500000000000000" pitchFamily="50" charset="-128"/>
                 <a:ea typeface="游ゴシック Medium" panose="020B0500000000000000" pitchFamily="50" charset="-128"/>
               </a:rPr>
-              <a:t>to VM environment var</a:t>
+              <a:t>module objects to </a:t>
+            </a:r>
+            <a:br>
+              <a:rPr lang="en-US" altLang="ja-JP" sz="1400" dirty="0">
+                <a:solidFill>
+                  <a:schemeClr val="tx1"/>
+                </a:solidFill>
+                <a:latin typeface="游ゴシック Medium" panose="020B0500000000000000" pitchFamily="50" charset="-128"/>
+                <a:ea typeface="游ゴシック Medium" panose="020B0500000000000000" pitchFamily="50" charset="-128"/>
+              </a:rPr>
+            </a:br>
+            <a:r>
+              <a:rPr lang="en-US" altLang="ja-JP" sz="1400" dirty="0">
+                <a:solidFill>
+                  <a:schemeClr val="tx1"/>
+                </a:solidFill>
+                <a:latin typeface="游ゴシック Medium" panose="020B0500000000000000" pitchFamily="50" charset="-128"/>
+                <a:ea typeface="游ゴシック Medium" panose="020B0500000000000000" pitchFamily="50" charset="-128"/>
+              </a:rPr>
+              <a:t>VM environment var</a:t>
             </a:r>
             <a:endParaRPr kumimoji="1" lang="en-US" altLang="ja-JP" sz="1400" dirty="0">
               <a:solidFill>
@@ -3350,10 +2770,104 @@
       </p:sp>
       <p:sp>
         <p:nvSpPr>
-          <p:cNvPr id="9" name="下矢印 8">
+          <p:cNvPr id="13" name="テキスト ボックス 12">
             <a:extLst>
               <a:ext uri="{FF2B5EF4-FFF2-40B4-BE49-F238E27FC236}">
-                <a16:creationId xmlns:a16="http://schemas.microsoft.com/office/drawing/2014/main" id="{1A247A52-9613-B342-A48A-DCD68721F97A}"/>
+                <a16:creationId xmlns:a16="http://schemas.microsoft.com/office/drawing/2014/main" id="{732C0F5B-1D07-F94F-8145-A3B42056CFD1}"/>
+              </a:ext>
+            </a:extLst>
+          </p:cNvPr>
+          <p:cNvSpPr txBox="1"/>
+          <p:nvPr/>
+        </p:nvSpPr>
+        <p:spPr>
+          <a:xfrm>
+            <a:off x="4842587" y="1667160"/>
+            <a:ext cx="3525074" cy="1256947"/>
+          </a:xfrm>
+          <a:prstGeom prst="rect">
+            <a:avLst/>
+          </a:prstGeom>
+          <a:noFill/>
+        </p:spPr>
+        <p:txBody>
+          <a:bodyPr wrap="square" rtlCol="0">
+            <a:spAutoFit/>
+          </a:bodyPr>
+          <a:lstStyle/>
+          <a:p>
+            <a:pPr marL="342900" indent="-342900" algn="l">
+              <a:buFont typeface="Wingdings" pitchFamily="2" charset="2"/>
+              <a:buChar char="n"/>
+            </a:pPr>
+            <a:r>
+              <a:rPr lang="en-US" altLang="ja-JP" sz="1400" dirty="0">
+                <a:solidFill>
+                  <a:schemeClr val="tx1"/>
+                </a:solidFill>
+                <a:latin typeface="游ゴシック Medium" panose="020B0500000000000000" pitchFamily="50" charset="-128"/>
+                <a:ea typeface="游ゴシック Medium" panose="020B0500000000000000" pitchFamily="50" charset="-128"/>
+              </a:rPr>
+              <a:t>Runtime</a:t>
+            </a:r>
+          </a:p>
+          <a:p>
+            <a:pPr marL="800100" lvl="1" indent="-342900">
+              <a:buFont typeface="+mj-lt"/>
+              <a:buAutoNum type="arabicPeriod"/>
+            </a:pPr>
+            <a:r>
+              <a:rPr lang="en-US" altLang="ja-JP" sz="1400" dirty="0">
+                <a:solidFill>
+                  <a:schemeClr val="tx1"/>
+                </a:solidFill>
+                <a:latin typeface="游ゴシック Medium" panose="020B0500000000000000" pitchFamily="50" charset="-128"/>
+                <a:ea typeface="游ゴシック Medium" panose="020B0500000000000000" pitchFamily="50" charset="-128"/>
+              </a:rPr>
+              <a:t>scan modules list of deployed nodes</a:t>
+            </a:r>
+          </a:p>
+          <a:p>
+            <a:pPr marL="800100" lvl="1" indent="-342900">
+              <a:buFont typeface="+mj-lt"/>
+              <a:buAutoNum type="arabicPeriod"/>
+            </a:pPr>
+            <a:r>
+              <a:rPr kumimoji="1" lang="en-US" altLang="ja-JP" sz="1400" dirty="0">
+                <a:solidFill>
+                  <a:schemeClr val="tx1"/>
+                </a:solidFill>
+                <a:latin typeface="游ゴシック Medium" panose="020B0500000000000000" pitchFamily="50" charset="-128"/>
+                <a:ea typeface="游ゴシック Medium" panose="020B0500000000000000" pitchFamily="50" charset="-128"/>
+              </a:rPr>
+              <a:t>install required modules if automatic installation is spe</a:t>
+            </a:r>
+            <a:r>
+              <a:rPr lang="en-US" altLang="ja-JP" sz="1400" dirty="0">
+                <a:solidFill>
+                  <a:schemeClr val="tx1"/>
+                </a:solidFill>
+                <a:latin typeface="游ゴシック Medium" panose="020B0500000000000000" pitchFamily="50" charset="-128"/>
+                <a:ea typeface="游ゴシック Medium" panose="020B0500000000000000" pitchFamily="50" charset="-128"/>
+              </a:rPr>
+              <a:t>cified</a:t>
+            </a:r>
+            <a:endParaRPr kumimoji="1" lang="en-US" altLang="ja-JP" sz="1400" dirty="0">
+              <a:solidFill>
+                <a:schemeClr val="tx1"/>
+              </a:solidFill>
+              <a:latin typeface="游ゴシック Medium" panose="020B0500000000000000" pitchFamily="50" charset="-128"/>
+              <a:ea typeface="游ゴシック Medium" panose="020B0500000000000000" pitchFamily="50" charset="-128"/>
+            </a:endParaRPr>
+          </a:p>
+        </p:txBody>
+      </p:sp>
+      <p:sp>
+        <p:nvSpPr>
+          <p:cNvPr id="16" name="下矢印 15">
+            <a:extLst>
+              <a:ext uri="{FF2B5EF4-FFF2-40B4-BE49-F238E27FC236}">
+                <a16:creationId xmlns:a16="http://schemas.microsoft.com/office/drawing/2014/main" id="{D2EEEEB3-C89D-FF4E-A8E5-5DA2D0C1DC7D}"/>
               </a:ext>
             </a:extLst>
           </p:cNvPr>
@@ -3362,7 +2876,7 @@
         </p:nvSpPr>
         <p:spPr bwMode="auto">
           <a:xfrm>
-            <a:off x="1611086" y="1647286"/>
+            <a:off x="1611086" y="3228605"/>
             <a:ext cx="304800" cy="288000"/>
           </a:xfrm>
           <a:prstGeom prst="downArrow">
@@ -3409,69 +2923,10 @@
       </p:sp>
       <p:sp>
         <p:nvSpPr>
-          <p:cNvPr id="12" name="下矢印 11">
+          <p:cNvPr id="17" name="テキスト ボックス 16">
             <a:extLst>
               <a:ext uri="{FF2B5EF4-FFF2-40B4-BE49-F238E27FC236}">
-                <a16:creationId xmlns:a16="http://schemas.microsoft.com/office/drawing/2014/main" id="{40EF58A8-FD36-C148-A209-7E14194D2E77}"/>
-              </a:ext>
-            </a:extLst>
-          </p:cNvPr>
-          <p:cNvSpPr/>
-          <p:nvPr/>
-        </p:nvSpPr>
-        <p:spPr bwMode="auto">
-          <a:xfrm rot="16200000">
-            <a:off x="4279035" y="2067329"/>
-            <a:ext cx="304800" cy="760102"/>
-          </a:xfrm>
-          <a:prstGeom prst="downArrow">
-            <a:avLst/>
-          </a:prstGeom>
-          <a:solidFill>
-            <a:schemeClr val="accent5"/>
-          </a:solidFill>
-          <a:ln>
-            <a:noFill/>
-          </a:ln>
-        </p:spPr>
-        <p:style>
-          <a:lnRef idx="0">
-            <a:scrgbClr r="0" g="0" b="0"/>
-          </a:lnRef>
-          <a:fillRef idx="0">
-            <a:scrgbClr r="0" g="0" b="0"/>
-          </a:fillRef>
-          <a:effectRef idx="0">
-            <a:scrgbClr r="0" g="0" b="0"/>
-          </a:effectRef>
-          <a:fontRef idx="minor">
-            <a:schemeClr val="lt1"/>
-          </a:fontRef>
-        </p:style>
-        <p:txBody>
-          <a:bodyPr rot="0" spcFirstLastPara="0" vertOverflow="overflow" horzOverflow="overflow" vert="horz" wrap="none" lIns="91440" tIns="45720" rIns="91440" bIns="45720" numCol="1" spcCol="0" rtlCol="0" fromWordArt="0" anchor="ctr" anchorCtr="0" forceAA="0" compatLnSpc="1">
-            <a:prstTxWarp prst="textNoShape">
-              <a:avLst/>
-            </a:prstTxWarp>
-            <a:noAutofit/>
-          </a:bodyPr>
-          <a:lstStyle/>
-          <a:p>
-            <a:pPr algn="ctr"/>
-            <a:endParaRPr kumimoji="1" lang="ja-JP" altLang="en-US" sz="1800">
-              <a:solidFill>
-                <a:schemeClr val="tx1"/>
-              </a:solidFill>
-            </a:endParaRPr>
-          </a:p>
-        </p:txBody>
-      </p:sp>
-      <p:sp>
-        <p:nvSpPr>
-          <p:cNvPr id="13" name="テキスト ボックス 12">
-            <a:extLst>
-              <a:ext uri="{FF2B5EF4-FFF2-40B4-BE49-F238E27FC236}">
-                <a16:creationId xmlns:a16="http://schemas.microsoft.com/office/drawing/2014/main" id="{732C0F5B-1D07-F94F-8145-A3B42056CFD1}"/>
+                <a16:creationId xmlns:a16="http://schemas.microsoft.com/office/drawing/2014/main" id="{1128AE7B-A90A-644F-82D5-652B00218E3E}"/>
               </a:ext>
             </a:extLst>
           </p:cNvPr>
@@ -3480,8 +2935,8 @@
         </p:nvSpPr>
         <p:spPr>
           <a:xfrm>
-            <a:off x="4878698" y="1982103"/>
-            <a:ext cx="3525074" cy="2032544"/>
+            <a:off x="1159208" y="3587266"/>
+            <a:ext cx="3142207" cy="481350"/>
           </a:xfrm>
           <a:prstGeom prst="rect">
             <a:avLst/>
@@ -3489,7 +2944,7 @@
           <a:noFill/>
         </p:spPr>
         <p:txBody>
-          <a:bodyPr wrap="square" rtlCol="0">
+          <a:bodyPr wrap="none" rtlCol="0">
             <a:spAutoFit/>
           </a:bodyPr>
           <a:lstStyle/>
@@ -3506,7 +2961,7 @@
                 <a:latin typeface="游ゴシック Medium" panose="020B0500000000000000" pitchFamily="50" charset="-128"/>
                 <a:ea typeface="游ゴシック Medium" panose="020B0500000000000000" pitchFamily="50" charset="-128"/>
               </a:rPr>
-              <a:t>New API (registerRequiredModules)</a:t>
+              <a:t>Initialize</a:t>
             </a:r>
           </a:p>
           <a:p>
@@ -3522,161 +2977,17 @@
                 <a:latin typeface="游ゴシック Medium" panose="020B0500000000000000" pitchFamily="50" charset="-128"/>
                 <a:ea typeface="游ゴシック Medium" panose="020B0500000000000000" pitchFamily="50" charset="-128"/>
               </a:rPr>
-              <a:t>get</a:t>
-            </a:r>
-            <a:r>
-              <a:rPr kumimoji="1" lang="en-US" altLang="ja-JP" sz="1400" dirty="0">
-                <a:solidFill>
-                  <a:schemeClr val="tx1"/>
-                </a:solidFill>
-                <a:latin typeface="游ゴシック Medium" panose="020B0500000000000000" pitchFamily="50" charset="-128"/>
-                <a:ea typeface="游ゴシック Medium" panose="020B0500000000000000" pitchFamily="50" charset="-128"/>
-              </a:rPr>
-              <a:t> required list</a:t>
-            </a:r>
-          </a:p>
-          <a:p>
-            <a:pPr marL="800100" lvl="1" indent="-342900">
-              <a:buFont typeface="+mj-lt"/>
-              <a:buAutoNum type="arabicPeriod"/>
-            </a:pPr>
-            <a:r>
-              <a:rPr lang="en-US" altLang="ja-JP" sz="1400" dirty="0">
-                <a:solidFill>
-                  <a:schemeClr val="tx1"/>
-                </a:solidFill>
-                <a:latin typeface="游ゴシック Medium" panose="020B0500000000000000" pitchFamily="50" charset="-128"/>
-                <a:ea typeface="游ゴシック Medium" panose="020B0500000000000000" pitchFamily="50" charset="-128"/>
-              </a:rPr>
-              <a:t>filter required list using black/white list to ensure only allowed modules are installed</a:t>
-            </a:r>
-          </a:p>
-          <a:p>
-            <a:pPr marL="800100" lvl="1" indent="-342900">
-              <a:buFont typeface="+mj-lt"/>
-              <a:buAutoNum type="arabicPeriod"/>
-            </a:pPr>
-            <a:r>
-              <a:rPr kumimoji="1" lang="en-US" altLang="ja-JP" sz="1400" dirty="0">
-                <a:solidFill>
-                  <a:schemeClr val="tx1"/>
-                </a:solidFill>
-                <a:latin typeface="游ゴシック Medium" panose="020B0500000000000000" pitchFamily="50" charset="-128"/>
-                <a:ea typeface="游ゴシック Medium" panose="020B0500000000000000" pitchFamily="50" charset="-128"/>
-              </a:rPr>
-              <a:t>if auto-install-mode is on then automatically instal</a:t>
-            </a:r>
-            <a:r>
-              <a:rPr lang="en-US" altLang="ja-JP" sz="1400" dirty="0">
-                <a:solidFill>
-                  <a:schemeClr val="tx1"/>
-                </a:solidFill>
-                <a:latin typeface="游ゴシック Medium" panose="020B0500000000000000" pitchFamily="50" charset="-128"/>
-                <a:ea typeface="游ゴシック Medium" panose="020B0500000000000000" pitchFamily="50" charset="-128"/>
-              </a:rPr>
-              <a:t>l required module</a:t>
-            </a:r>
-          </a:p>
-          <a:p>
-            <a:pPr marL="800100" lvl="1" indent="-342900">
-              <a:buFont typeface="+mj-lt"/>
-              <a:buAutoNum type="arabicPeriod"/>
-            </a:pPr>
-            <a:r>
-              <a:rPr kumimoji="1" lang="en-US" altLang="ja-JP" sz="1400" dirty="0">
-                <a:solidFill>
-                  <a:schemeClr val="tx1"/>
-                </a:solidFill>
-                <a:latin typeface="游ゴシック Medium" panose="020B0500000000000000" pitchFamily="50" charset="-128"/>
-                <a:ea typeface="游ゴシック Medium" panose="020B0500000000000000" pitchFamily="50" charset="-128"/>
-              </a:rPr>
-              <a:t>return list of module</a:t>
-            </a:r>
-            <a:r>
-              <a:rPr lang="en-US" altLang="ja-JP" sz="1400" dirty="0">
-                <a:solidFill>
-                  <a:schemeClr val="tx1"/>
-                </a:solidFill>
-                <a:latin typeface="游ゴシック Medium" panose="020B0500000000000000" pitchFamily="50" charset="-128"/>
-                <a:ea typeface="游ゴシック Medium" panose="020B0500000000000000" pitchFamily="50" charset="-128"/>
-              </a:rPr>
-              <a:t> objects.  undefined if not loaded.</a:t>
-            </a:r>
-            <a:endParaRPr kumimoji="1" lang="en-US" altLang="ja-JP" sz="1400" dirty="0">
-              <a:solidFill>
-                <a:schemeClr val="tx1"/>
-              </a:solidFill>
-              <a:latin typeface="游ゴシック Medium" panose="020B0500000000000000" pitchFamily="50" charset="-128"/>
-              <a:ea typeface="游ゴシック Medium" panose="020B0500000000000000" pitchFamily="50" charset="-128"/>
-            </a:endParaRPr>
+              <a:t>execute initialization code</a:t>
+            </a:r>
           </a:p>
         </p:txBody>
       </p:sp>
       <p:sp>
         <p:nvSpPr>
-          <p:cNvPr id="14" name="下矢印 13">
+          <p:cNvPr id="18" name="下矢印 17">
             <a:extLst>
               <a:ext uri="{FF2B5EF4-FFF2-40B4-BE49-F238E27FC236}">
-                <a16:creationId xmlns:a16="http://schemas.microsoft.com/office/drawing/2014/main" id="{6CDD9E09-F08A-4142-847F-F9655D63F3C3}"/>
-              </a:ext>
-            </a:extLst>
-          </p:cNvPr>
-          <p:cNvSpPr/>
-          <p:nvPr/>
-        </p:nvSpPr>
-        <p:spPr bwMode="auto">
-          <a:xfrm rot="5400000" flipH="1">
-            <a:off x="4279035" y="2424425"/>
-            <a:ext cx="304800" cy="760102"/>
-          </a:xfrm>
-          <a:prstGeom prst="downArrow">
-            <a:avLst/>
-          </a:prstGeom>
-          <a:solidFill>
-            <a:schemeClr val="accent5"/>
-          </a:solidFill>
-          <a:ln>
-            <a:noFill/>
-          </a:ln>
-        </p:spPr>
-        <p:style>
-          <a:lnRef idx="0">
-            <a:scrgbClr r="0" g="0" b="0"/>
-          </a:lnRef>
-          <a:fillRef idx="0">
-            <a:scrgbClr r="0" g="0" b="0"/>
-          </a:fillRef>
-          <a:effectRef idx="0">
-            <a:scrgbClr r="0" g="0" b="0"/>
-          </a:effectRef>
-          <a:fontRef idx="minor">
-            <a:schemeClr val="lt1"/>
-          </a:fontRef>
-        </p:style>
-        <p:txBody>
-          <a:bodyPr rot="0" spcFirstLastPara="0" vertOverflow="overflow" horzOverflow="overflow" vert="horz" wrap="none" lIns="91440" tIns="45720" rIns="91440" bIns="45720" numCol="1" spcCol="0" rtlCol="0" fromWordArt="0" anchor="ctr" anchorCtr="0" forceAA="0" compatLnSpc="1">
-            <a:prstTxWarp prst="textNoShape">
-              <a:avLst/>
-            </a:prstTxWarp>
-            <a:noAutofit/>
-          </a:bodyPr>
-          <a:lstStyle/>
-          <a:p>
-            <a:pPr algn="ctr"/>
-            <a:endParaRPr kumimoji="1" lang="ja-JP" altLang="en-US" sz="1800">
-              <a:solidFill>
-                <a:schemeClr val="tx1"/>
-              </a:solidFill>
-            </a:endParaRPr>
-          </a:p>
-        </p:txBody>
-      </p:sp>
-      <p:sp>
-        <p:nvSpPr>
-          <p:cNvPr id="16" name="下矢印 15">
-            <a:extLst>
-              <a:ext uri="{FF2B5EF4-FFF2-40B4-BE49-F238E27FC236}">
-                <a16:creationId xmlns:a16="http://schemas.microsoft.com/office/drawing/2014/main" id="{D2EEEEB3-C89D-FF4E-A8E5-5DA2D0C1DC7D}"/>
+                <a16:creationId xmlns:a16="http://schemas.microsoft.com/office/drawing/2014/main" id="{A1C190BC-2E18-4A4E-88F4-8D692C827093}"/>
               </a:ext>
             </a:extLst>
           </p:cNvPr>
@@ -3685,7 +2996,7 @@
         </p:nvSpPr>
         <p:spPr bwMode="auto">
           <a:xfrm>
-            <a:off x="1611086" y="3512385"/>
+            <a:off x="1611086" y="4101005"/>
             <a:ext cx="304800" cy="288000"/>
           </a:xfrm>
           <a:prstGeom prst="downArrow">
@@ -3732,10 +3043,10 @@
       </p:sp>
       <p:sp>
         <p:nvSpPr>
-          <p:cNvPr id="17" name="テキスト ボックス 16">
+          <p:cNvPr id="19" name="テキスト ボックス 18">
             <a:extLst>
               <a:ext uri="{FF2B5EF4-FFF2-40B4-BE49-F238E27FC236}">
-                <a16:creationId xmlns:a16="http://schemas.microsoft.com/office/drawing/2014/main" id="{1128AE7B-A90A-644F-82D5-652B00218E3E}"/>
+                <a16:creationId xmlns:a16="http://schemas.microsoft.com/office/drawing/2014/main" id="{B476C94F-1D1B-9B47-A155-69819F81C92A}"/>
               </a:ext>
             </a:extLst>
           </p:cNvPr>
@@ -3744,8 +3055,8 @@
         </p:nvSpPr>
         <p:spPr>
           <a:xfrm>
-            <a:off x="1159208" y="3871046"/>
-            <a:ext cx="3142207" cy="481350"/>
+            <a:off x="1159208" y="4503214"/>
+            <a:ext cx="2816797" cy="481350"/>
           </a:xfrm>
           <a:prstGeom prst="rect">
             <a:avLst/>
@@ -3770,7 +3081,7 @@
                 <a:latin typeface="游ゴシック Medium" panose="020B0500000000000000" pitchFamily="50" charset="-128"/>
                 <a:ea typeface="游ゴシック Medium" panose="020B0500000000000000" pitchFamily="50" charset="-128"/>
               </a:rPr>
-              <a:t>Initialize</a:t>
+              <a:t>Execute</a:t>
             </a:r>
           </a:p>
           <a:p>
@@ -3786,17 +3097,78 @@
                 <a:latin typeface="游ゴシック Medium" panose="020B0500000000000000" pitchFamily="50" charset="-128"/>
                 <a:ea typeface="游ゴシック Medium" panose="020B0500000000000000" pitchFamily="50" charset="-128"/>
               </a:rPr>
-              <a:t>execute initialization code</a:t>
+              <a:t>execute function code</a:t>
             </a:r>
           </a:p>
         </p:txBody>
       </p:sp>
       <p:sp>
         <p:nvSpPr>
-          <p:cNvPr id="18" name="下矢印 17">
+          <p:cNvPr id="20" name="テキスト ボックス 19">
             <a:extLst>
               <a:ext uri="{FF2B5EF4-FFF2-40B4-BE49-F238E27FC236}">
-                <a16:creationId xmlns:a16="http://schemas.microsoft.com/office/drawing/2014/main" id="{A1C190BC-2E18-4A4E-88F4-8D692C827093}"/>
+                <a16:creationId xmlns:a16="http://schemas.microsoft.com/office/drawing/2014/main" id="{A5798C39-60A6-2144-A94B-332E1D1C3AA6}"/>
+              </a:ext>
+            </a:extLst>
+          </p:cNvPr>
+          <p:cNvSpPr txBox="1"/>
+          <p:nvPr/>
+        </p:nvSpPr>
+        <p:spPr>
+          <a:xfrm>
+            <a:off x="1159207" y="5310287"/>
+            <a:ext cx="3044423" cy="481350"/>
+          </a:xfrm>
+          <a:prstGeom prst="rect">
+            <a:avLst/>
+          </a:prstGeom>
+          <a:noFill/>
+        </p:spPr>
+        <p:txBody>
+          <a:bodyPr wrap="none" rtlCol="0">
+            <a:spAutoFit/>
+          </a:bodyPr>
+          <a:lstStyle/>
+          <a:p>
+            <a:pPr marL="342900" indent="-342900" algn="l">
+              <a:buFont typeface="Wingdings" pitchFamily="2" charset="2"/>
+              <a:buChar char="n"/>
+            </a:pPr>
+            <a:r>
+              <a:rPr lang="en-US" altLang="ja-JP" sz="1400" dirty="0">
+                <a:solidFill>
+                  <a:schemeClr val="tx1"/>
+                </a:solidFill>
+                <a:latin typeface="游ゴシック Medium" panose="020B0500000000000000" pitchFamily="50" charset="-128"/>
+                <a:ea typeface="游ゴシック Medium" panose="020B0500000000000000" pitchFamily="50" charset="-128"/>
+              </a:rPr>
+              <a:t>Finalize</a:t>
+            </a:r>
+          </a:p>
+          <a:p>
+            <a:pPr marL="800100" lvl="1" indent="-342900">
+              <a:buFont typeface="+mj-lt"/>
+              <a:buAutoNum type="arabicPeriod"/>
+            </a:pPr>
+            <a:r>
+              <a:rPr lang="en-US" altLang="ja-JP" sz="1400" dirty="0">
+                <a:solidFill>
+                  <a:schemeClr val="tx1"/>
+                </a:solidFill>
+                <a:latin typeface="游ゴシック Medium" panose="020B0500000000000000" pitchFamily="50" charset="-128"/>
+                <a:ea typeface="游ゴシック Medium" panose="020B0500000000000000" pitchFamily="50" charset="-128"/>
+              </a:rPr>
+              <a:t>execute finalization code</a:t>
+            </a:r>
+          </a:p>
+        </p:txBody>
+      </p:sp>
+      <p:sp>
+        <p:nvSpPr>
+          <p:cNvPr id="21" name="下矢印 20">
+            <a:extLst>
+              <a:ext uri="{FF2B5EF4-FFF2-40B4-BE49-F238E27FC236}">
+                <a16:creationId xmlns:a16="http://schemas.microsoft.com/office/drawing/2014/main" id="{82ED0CFD-5168-7D4A-BF03-27A1573F9A79}"/>
               </a:ext>
             </a:extLst>
           </p:cNvPr>
@@ -3804,8 +3176,8 @@
           <p:nvPr/>
         </p:nvSpPr>
         <p:spPr bwMode="auto">
-          <a:xfrm>
-            <a:off x="1611086" y="4384785"/>
+          <a:xfrm rot="19551430">
+            <a:off x="876179" y="5070446"/>
             <a:ext cx="304800" cy="288000"/>
           </a:xfrm>
           <a:prstGeom prst="downArrow">
@@ -3852,10 +3224,136 @@
       </p:sp>
       <p:sp>
         <p:nvSpPr>
-          <p:cNvPr id="19" name="テキスト ボックス 18">
+          <p:cNvPr id="22" name="正方形/長方形 21">
             <a:extLst>
               <a:ext uri="{FF2B5EF4-FFF2-40B4-BE49-F238E27FC236}">
-                <a16:creationId xmlns:a16="http://schemas.microsoft.com/office/drawing/2014/main" id="{B476C94F-1D1B-9B47-A155-69819F81C92A}"/>
+                <a16:creationId xmlns:a16="http://schemas.microsoft.com/office/drawing/2014/main" id="{C5F823BB-F82E-D54D-A445-5FF93ECCCD74}"/>
+              </a:ext>
+            </a:extLst>
+          </p:cNvPr>
+          <p:cNvSpPr/>
+          <p:nvPr/>
+        </p:nvSpPr>
+        <p:spPr bwMode="auto">
+          <a:xfrm>
+            <a:off x="877859" y="2747228"/>
+            <a:ext cx="139709" cy="2387860"/>
+          </a:xfrm>
+          <a:prstGeom prst="rect">
+            <a:avLst/>
+          </a:prstGeom>
+          <a:solidFill>
+            <a:schemeClr val="accent5"/>
+          </a:solidFill>
+          <a:ln>
+            <a:noFill/>
+          </a:ln>
+        </p:spPr>
+        <p:style>
+          <a:lnRef idx="0">
+            <a:scrgbClr r="0" g="0" b="0"/>
+          </a:lnRef>
+          <a:fillRef idx="0">
+            <a:scrgbClr r="0" g="0" b="0"/>
+          </a:fillRef>
+          <a:effectRef idx="0">
+            <a:scrgbClr r="0" g="0" b="0"/>
+          </a:effectRef>
+          <a:fontRef idx="minor">
+            <a:schemeClr val="lt1"/>
+          </a:fontRef>
+        </p:style>
+        <p:txBody>
+          <a:bodyPr rot="0" spcFirstLastPara="0" vertOverflow="overflow" horzOverflow="overflow" vert="horz" wrap="none" lIns="91440" tIns="45720" rIns="91440" bIns="45720" numCol="1" spcCol="0" rtlCol="0" fromWordArt="0" anchor="ctr" anchorCtr="0" forceAA="0" compatLnSpc="1">
+            <a:prstTxWarp prst="textNoShape">
+              <a:avLst/>
+            </a:prstTxWarp>
+            <a:noAutofit/>
+          </a:bodyPr>
+          <a:lstStyle/>
+          <a:p>
+            <a:pPr algn="ctr"/>
+            <a:endParaRPr lang="ja-JP" altLang="en-US" sz="1800">
+              <a:solidFill>
+                <a:schemeClr val="tx1"/>
+              </a:solidFill>
+            </a:endParaRPr>
+          </a:p>
+        </p:txBody>
+      </p:sp>
+      <p:sp>
+        <p:nvSpPr>
+          <p:cNvPr id="23" name="正方形/長方形 22">
+            <a:extLst>
+              <a:ext uri="{FF2B5EF4-FFF2-40B4-BE49-F238E27FC236}">
+                <a16:creationId xmlns:a16="http://schemas.microsoft.com/office/drawing/2014/main" id="{5FC648BC-2CF8-1448-B2DF-1A109102126C}"/>
+              </a:ext>
+            </a:extLst>
+          </p:cNvPr>
+          <p:cNvSpPr/>
+          <p:nvPr/>
+        </p:nvSpPr>
+        <p:spPr bwMode="auto">
+          <a:xfrm rot="3398432">
+            <a:off x="1043829" y="2427102"/>
+            <a:ext cx="139709" cy="472709"/>
+          </a:xfrm>
+          <a:prstGeom prst="rect">
+            <a:avLst/>
+          </a:prstGeom>
+          <a:solidFill>
+            <a:schemeClr val="accent5"/>
+          </a:solidFill>
+          <a:ln>
+            <a:noFill/>
+          </a:ln>
+        </p:spPr>
+        <p:style>
+          <a:lnRef idx="0">
+            <a:scrgbClr r="0" g="0" b="0"/>
+          </a:lnRef>
+          <a:fillRef idx="0">
+            <a:scrgbClr r="0" g="0" b="0"/>
+          </a:fillRef>
+          <a:effectRef idx="0">
+            <a:scrgbClr r="0" g="0" b="0"/>
+          </a:effectRef>
+          <a:fontRef idx="minor">
+            <a:schemeClr val="lt1"/>
+          </a:fontRef>
+        </p:style>
+        <p:txBody>
+          <a:bodyPr rot="0" spcFirstLastPara="0" vertOverflow="overflow" horzOverflow="overflow" vert="horz" wrap="none" lIns="91440" tIns="45720" rIns="91440" bIns="45720" numCol="1" spcCol="0" rtlCol="0" fromWordArt="0" anchor="ctr" anchorCtr="0" forceAA="0" compatLnSpc="1">
+            <a:prstTxWarp prst="textNoShape">
+              <a:avLst/>
+            </a:prstTxWarp>
+            <a:noAutofit/>
+          </a:bodyPr>
+          <a:lstStyle/>
+          <a:p>
+            <a:pPr algn="ctr"/>
+            <a:r>
+              <a:rPr lang="en-US" altLang="ja-JP" sz="1800" dirty="0">
+                <a:solidFill>
+                  <a:schemeClr val="tx1"/>
+                </a:solidFill>
+              </a:rPr>
+              <a:t>  </a:t>
+            </a:r>
+            <a:endParaRPr lang="ja-JP" altLang="en-US" sz="1800">
+              <a:solidFill>
+                <a:schemeClr val="tx1"/>
+              </a:solidFill>
+            </a:endParaRPr>
+          </a:p>
+        </p:txBody>
+      </p:sp>
+      <p:sp>
+        <p:nvSpPr>
+          <p:cNvPr id="25" name="テキスト ボックス 24">
+            <a:extLst>
+              <a:ext uri="{FF2B5EF4-FFF2-40B4-BE49-F238E27FC236}">
+                <a16:creationId xmlns:a16="http://schemas.microsoft.com/office/drawing/2014/main" id="{5FA6E6F8-C19A-8F4F-9E54-9B5FFAB0FC01}"/>
               </a:ext>
             </a:extLst>
           </p:cNvPr>
@@ -3863,9 +3361,9 @@
           <p:nvPr/>
         </p:nvSpPr>
         <p:spPr>
-          <a:xfrm>
-            <a:off x="1159208" y="4786994"/>
-            <a:ext cx="2816797" cy="481350"/>
+          <a:xfrm rot="16200000">
+            <a:off x="205655" y="3437492"/>
+            <a:ext cx="944489" cy="287451"/>
           </a:xfrm>
           <a:prstGeom prst="rect">
             <a:avLst/>
@@ -3878,10 +3376,7 @@
           </a:bodyPr>
           <a:lstStyle/>
           <a:p>
-            <a:pPr marL="342900" indent="-342900" algn="l">
-              <a:buFont typeface="Wingdings" pitchFamily="2" charset="2"/>
-              <a:buChar char="n"/>
-            </a:pPr>
+            <a:pPr algn="l"/>
             <a:r>
               <a:rPr lang="en-US" altLang="ja-JP" sz="1400" dirty="0">
                 <a:solidFill>
@@ -3890,94 +3385,17 @@
                 <a:latin typeface="游ゴシック Medium" panose="020B0500000000000000" pitchFamily="50" charset="-128"/>
                 <a:ea typeface="游ゴシック Medium" panose="020B0500000000000000" pitchFamily="50" charset="-128"/>
               </a:rPr>
-              <a:t>Execute</a:t>
-            </a:r>
-          </a:p>
-          <a:p>
-            <a:pPr marL="800100" lvl="1" indent="-342900">
-              <a:buFont typeface="+mj-lt"/>
-              <a:buAutoNum type="arabicPeriod"/>
-            </a:pPr>
-            <a:r>
-              <a:rPr lang="en-US" altLang="ja-JP" sz="1400" dirty="0">
-                <a:solidFill>
-                  <a:schemeClr val="tx1"/>
-                </a:solidFill>
-                <a:latin typeface="游ゴシック Medium" panose="020B0500000000000000" pitchFamily="50" charset="-128"/>
-                <a:ea typeface="游ゴシック Medium" panose="020B0500000000000000" pitchFamily="50" charset="-128"/>
-              </a:rPr>
-              <a:t>execute function code</a:t>
+              <a:t>stop flow</a:t>
             </a:r>
           </a:p>
         </p:txBody>
       </p:sp>
       <p:sp>
         <p:nvSpPr>
-          <p:cNvPr id="20" name="テキスト ボックス 19">
+          <p:cNvPr id="27" name="下矢印 26">
             <a:extLst>
               <a:ext uri="{FF2B5EF4-FFF2-40B4-BE49-F238E27FC236}">
-                <a16:creationId xmlns:a16="http://schemas.microsoft.com/office/drawing/2014/main" id="{A5798C39-60A6-2144-A94B-332E1D1C3AA6}"/>
-              </a:ext>
-            </a:extLst>
-          </p:cNvPr>
-          <p:cNvSpPr txBox="1"/>
-          <p:nvPr/>
-        </p:nvSpPr>
-        <p:spPr>
-          <a:xfrm>
-            <a:off x="1159207" y="5594067"/>
-            <a:ext cx="3044423" cy="481350"/>
-          </a:xfrm>
-          <a:prstGeom prst="rect">
-            <a:avLst/>
-          </a:prstGeom>
-          <a:noFill/>
-        </p:spPr>
-        <p:txBody>
-          <a:bodyPr wrap="none" rtlCol="0">
-            <a:spAutoFit/>
-          </a:bodyPr>
-          <a:lstStyle/>
-          <a:p>
-            <a:pPr marL="342900" indent="-342900" algn="l">
-              <a:buFont typeface="Wingdings" pitchFamily="2" charset="2"/>
-              <a:buChar char="n"/>
-            </a:pPr>
-            <a:r>
-              <a:rPr lang="en-US" altLang="ja-JP" sz="1400" dirty="0">
-                <a:solidFill>
-                  <a:schemeClr val="tx1"/>
-                </a:solidFill>
-                <a:latin typeface="游ゴシック Medium" panose="020B0500000000000000" pitchFamily="50" charset="-128"/>
-                <a:ea typeface="游ゴシック Medium" panose="020B0500000000000000" pitchFamily="50" charset="-128"/>
-              </a:rPr>
-              <a:t>Finalize</a:t>
-            </a:r>
-          </a:p>
-          <a:p>
-            <a:pPr marL="800100" lvl="1" indent="-342900">
-              <a:buFont typeface="+mj-lt"/>
-              <a:buAutoNum type="arabicPeriod"/>
-            </a:pPr>
-            <a:r>
-              <a:rPr lang="en-US" altLang="ja-JP" sz="1400" dirty="0">
-                <a:solidFill>
-                  <a:schemeClr val="tx1"/>
-                </a:solidFill>
-                <a:latin typeface="游ゴシック Medium" panose="020B0500000000000000" pitchFamily="50" charset="-128"/>
-                <a:ea typeface="游ゴシック Medium" panose="020B0500000000000000" pitchFamily="50" charset="-128"/>
-              </a:rPr>
-              <a:t>execute finalization code</a:t>
-            </a:r>
-          </a:p>
-        </p:txBody>
-      </p:sp>
-      <p:sp>
-        <p:nvSpPr>
-          <p:cNvPr id="21" name="下矢印 20">
-            <a:extLst>
-              <a:ext uri="{FF2B5EF4-FFF2-40B4-BE49-F238E27FC236}">
-                <a16:creationId xmlns:a16="http://schemas.microsoft.com/office/drawing/2014/main" id="{82ED0CFD-5168-7D4A-BF03-27A1573F9A79}"/>
+                <a16:creationId xmlns:a16="http://schemas.microsoft.com/office/drawing/2014/main" id="{8DFAEF14-833A-0B48-B773-DF638A518D01}"/>
               </a:ext>
             </a:extLst>
           </p:cNvPr>
@@ -3985,8 +3403,8 @@
           <p:nvPr/>
         </p:nvSpPr>
         <p:spPr bwMode="auto">
-          <a:xfrm rot="19551430">
-            <a:off x="876179" y="5354226"/>
+          <a:xfrm>
+            <a:off x="1611085" y="1379160"/>
             <a:ext cx="304800" cy="288000"/>
           </a:xfrm>
           <a:prstGeom prst="downArrow">
@@ -4033,10 +3451,10 @@
       </p:sp>
       <p:sp>
         <p:nvSpPr>
-          <p:cNvPr id="22" name="正方形/長方形 21">
+          <p:cNvPr id="28" name="上下矢印 27">
             <a:extLst>
               <a:ext uri="{FF2B5EF4-FFF2-40B4-BE49-F238E27FC236}">
-                <a16:creationId xmlns:a16="http://schemas.microsoft.com/office/drawing/2014/main" id="{C5F823BB-F82E-D54D-A445-5FF93ECCCD74}"/>
+                <a16:creationId xmlns:a16="http://schemas.microsoft.com/office/drawing/2014/main" id="{7ED0BBFD-2FE0-014E-A3D0-EE2032AF37F8}"/>
               </a:ext>
             </a:extLst>
           </p:cNvPr>
@@ -4044,11 +3462,11 @@
           <p:nvPr/>
         </p:nvSpPr>
         <p:spPr bwMode="auto">
-          <a:xfrm>
-            <a:off x="877859" y="2536995"/>
-            <a:ext cx="139709" cy="2881873"/>
+          <a:xfrm rot="16200000">
+            <a:off x="4279035" y="633321"/>
+            <a:ext cx="304800" cy="760102"/>
           </a:xfrm>
-          <a:prstGeom prst="rect">
+          <a:prstGeom prst="upDownArrow">
             <a:avLst/>
           </a:prstGeom>
           <a:solidFill>
@@ -4082,7 +3500,7 @@
           <a:lstStyle/>
           <a:p>
             <a:pPr algn="ctr"/>
-            <a:endParaRPr lang="ja-JP" altLang="en-US" sz="1800">
+            <a:endParaRPr kumimoji="1" lang="ja-JP" altLang="en-US" sz="1800">
               <a:solidFill>
                 <a:schemeClr val="tx1"/>
               </a:solidFill>
@@ -4092,10 +3510,55 @@
       </p:sp>
       <p:sp>
         <p:nvSpPr>
-          <p:cNvPr id="23" name="正方形/長方形 22">
+          <p:cNvPr id="29" name="テキスト ボックス 28">
             <a:extLst>
               <a:ext uri="{FF2B5EF4-FFF2-40B4-BE49-F238E27FC236}">
-                <a16:creationId xmlns:a16="http://schemas.microsoft.com/office/drawing/2014/main" id="{5FC648BC-2CF8-1448-B2DF-1A109102126C}"/>
+                <a16:creationId xmlns:a16="http://schemas.microsoft.com/office/drawing/2014/main" id="{D0338C06-0544-0B4E-9883-9563862F3665}"/>
+              </a:ext>
+            </a:extLst>
+          </p:cNvPr>
+          <p:cNvSpPr txBox="1"/>
+          <p:nvPr/>
+        </p:nvSpPr>
+        <p:spPr>
+          <a:xfrm>
+            <a:off x="4878698" y="869646"/>
+            <a:ext cx="2593980" cy="287451"/>
+          </a:xfrm>
+          <a:prstGeom prst="rect">
+            <a:avLst/>
+          </a:prstGeom>
+          <a:noFill/>
+        </p:spPr>
+        <p:txBody>
+          <a:bodyPr wrap="none" rtlCol="0">
+            <a:spAutoFit/>
+          </a:bodyPr>
+          <a:lstStyle/>
+          <a:p>
+            <a:pPr marL="342900" indent="-342900" algn="l">
+              <a:buFont typeface="Wingdings" pitchFamily="2" charset="2"/>
+              <a:buChar char="n"/>
+            </a:pPr>
+            <a:r>
+              <a:rPr kumimoji="1" lang="en-US" altLang="ja-JP" sz="1400" dirty="0">
+                <a:solidFill>
+                  <a:schemeClr val="tx1"/>
+                </a:solidFill>
+                <a:latin typeface="游ゴシック Medium" panose="020B0500000000000000" pitchFamily="50" charset="-128"/>
+                <a:ea typeface="游ゴシック Medium" panose="020B0500000000000000" pitchFamily="50" charset="-128"/>
+              </a:rPr>
+              <a:t>Manually install modules</a:t>
+            </a:r>
+          </a:p>
+        </p:txBody>
+      </p:sp>
+      <p:sp>
+        <p:nvSpPr>
+          <p:cNvPr id="30" name="下矢印 29">
+            <a:extLst>
+              <a:ext uri="{FF2B5EF4-FFF2-40B4-BE49-F238E27FC236}">
+                <a16:creationId xmlns:a16="http://schemas.microsoft.com/office/drawing/2014/main" id="{A2332EBD-84AC-D043-AEC4-AAF9B813E109}"/>
               </a:ext>
             </a:extLst>
           </p:cNvPr>
@@ -4103,11 +3566,11 @@
           <p:nvPr/>
         </p:nvSpPr>
         <p:spPr bwMode="auto">
-          <a:xfrm rot="3398432">
-            <a:off x="1043829" y="2227407"/>
-            <a:ext cx="139709" cy="472709"/>
+          <a:xfrm>
+            <a:off x="1611085" y="1954183"/>
+            <a:ext cx="304800" cy="288000"/>
           </a:xfrm>
-          <a:prstGeom prst="rect">
+          <a:prstGeom prst="downArrow">
             <a:avLst/>
           </a:prstGeom>
           <a:solidFill>
@@ -4141,7 +3604,7 @@
           <a:lstStyle/>
           <a:p>
             <a:pPr algn="ctr"/>
-            <a:endParaRPr lang="ja-JP" altLang="en-US" sz="1800">
+            <a:endParaRPr kumimoji="1" lang="ja-JP" altLang="en-US" sz="1800">
               <a:solidFill>
                 <a:schemeClr val="tx1"/>
               </a:solidFill>
@@ -4151,10 +3614,10 @@
       </p:sp>
       <p:sp>
         <p:nvSpPr>
-          <p:cNvPr id="24" name="テキスト ボックス 23">
+          <p:cNvPr id="31" name="テキスト ボックス 30">
             <a:extLst>
               <a:ext uri="{FF2B5EF4-FFF2-40B4-BE49-F238E27FC236}">
-                <a16:creationId xmlns:a16="http://schemas.microsoft.com/office/drawing/2014/main" id="{1C2F2B5D-BB47-034D-AC9C-D5838F1F7F6B}"/>
+                <a16:creationId xmlns:a16="http://schemas.microsoft.com/office/drawing/2014/main" id="{ED51AFA7-7551-5048-B37F-ED340DBB90C7}"/>
               </a:ext>
             </a:extLst>
           </p:cNvPr>
@@ -4163,115 +3626,8 @@
         </p:nvSpPr>
         <p:spPr>
           <a:xfrm>
-            <a:off x="4878698" y="4693445"/>
-            <a:ext cx="3020378" cy="1450846"/>
-          </a:xfrm>
-          <a:prstGeom prst="rect">
-            <a:avLst/>
-          </a:prstGeom>
-          <a:noFill/>
-        </p:spPr>
-        <p:txBody>
-          <a:bodyPr wrap="square" rtlCol="0">
-            <a:spAutoFit/>
-          </a:bodyPr>
-          <a:lstStyle/>
-          <a:p>
-            <a:pPr marL="342900" indent="-342900" algn="l">
-              <a:buFont typeface="Wingdings" pitchFamily="2" charset="2"/>
-              <a:buChar char="n"/>
-            </a:pPr>
-            <a:r>
-              <a:rPr lang="en-US" altLang="ja-JP" sz="1400" dirty="0">
-                <a:solidFill>
-                  <a:schemeClr val="tx1"/>
-                </a:solidFill>
-                <a:latin typeface="游ゴシック Medium" panose="020B0500000000000000" pitchFamily="50" charset="-128"/>
-                <a:ea typeface="游ゴシック Medium" panose="020B0500000000000000" pitchFamily="50" charset="-128"/>
-              </a:rPr>
-              <a:t>Editor</a:t>
-            </a:r>
-          </a:p>
-          <a:p>
-            <a:pPr marL="800100" lvl="1" indent="-342900">
-              <a:buFont typeface="+mj-lt"/>
-              <a:buAutoNum type="arabicPeriod"/>
-            </a:pPr>
-            <a:r>
-              <a:rPr lang="en-US" altLang="ja-JP" sz="1400" dirty="0">
-                <a:solidFill>
-                  <a:schemeClr val="tx1"/>
-                </a:solidFill>
-                <a:latin typeface="游ゴシック Medium" panose="020B0500000000000000" pitchFamily="50" charset="-128"/>
-                <a:ea typeface="游ゴシック Medium" panose="020B0500000000000000" pitchFamily="50" charset="-128"/>
-              </a:rPr>
-              <a:t>show list of </a:t>
-            </a:r>
-            <a:r>
-              <a:rPr lang="en-US" altLang="ja-JP" sz="1400" dirty="0" err="1">
-                <a:solidFill>
-                  <a:schemeClr val="tx1"/>
-                </a:solidFill>
-                <a:latin typeface="游ゴシック Medium" panose="020B0500000000000000" pitchFamily="50" charset="-128"/>
-                <a:ea typeface="游ゴシック Medium" panose="020B0500000000000000" pitchFamily="50" charset="-128"/>
-              </a:rPr>
-              <a:t>npm</a:t>
-            </a:r>
-            <a:r>
-              <a:rPr lang="en-US" altLang="ja-JP" sz="1400" dirty="0">
-                <a:solidFill>
-                  <a:schemeClr val="tx1"/>
-                </a:solidFill>
-                <a:latin typeface="游ゴシック Medium" panose="020B0500000000000000" pitchFamily="50" charset="-128"/>
-                <a:ea typeface="游ゴシック Medium" panose="020B0500000000000000" pitchFamily="50" charset="-128"/>
-              </a:rPr>
-              <a:t> modules in settings panel.</a:t>
-            </a:r>
-          </a:p>
-          <a:p>
-            <a:pPr marL="800100" lvl="1" indent="-342900">
-              <a:buFont typeface="+mj-lt"/>
-              <a:buAutoNum type="arabicPeriod"/>
-            </a:pPr>
-            <a:r>
-              <a:rPr kumimoji="1" lang="en-US" altLang="ja-JP" sz="1400" dirty="0" err="1">
-                <a:solidFill>
-                  <a:schemeClr val="tx1"/>
-                </a:solidFill>
-                <a:latin typeface="游ゴシック Medium" panose="020B0500000000000000" pitchFamily="50" charset="-128"/>
-                <a:ea typeface="游ゴシック Medium" panose="020B0500000000000000" pitchFamily="50" charset="-128"/>
-              </a:rPr>
-              <a:t>npm</a:t>
-            </a:r>
-            <a:r>
-              <a:rPr kumimoji="1" lang="en-US" altLang="ja-JP" sz="1400" dirty="0">
-                <a:solidFill>
-                  <a:schemeClr val="tx1"/>
-                </a:solidFill>
-                <a:latin typeface="游ゴシック Medium" panose="020B0500000000000000" pitchFamily="50" charset="-128"/>
-                <a:ea typeface="游ゴシック Medium" panose="020B0500000000000000" pitchFamily="50" charset="-128"/>
-              </a:rPr>
-              <a:t> modules can be installed/removed/updated from this panel</a:t>
-            </a:r>
-          </a:p>
-        </p:txBody>
-      </p:sp>
-      <p:sp>
-        <p:nvSpPr>
-          <p:cNvPr id="25" name="テキスト ボックス 24">
-            <a:extLst>
-              <a:ext uri="{FF2B5EF4-FFF2-40B4-BE49-F238E27FC236}">
-                <a16:creationId xmlns:a16="http://schemas.microsoft.com/office/drawing/2014/main" id="{5FA6E6F8-C19A-8F4F-9E54-9B5FFAB0FC01}"/>
-              </a:ext>
-            </a:extLst>
-          </p:cNvPr>
-          <p:cNvSpPr txBox="1"/>
-          <p:nvPr/>
-        </p:nvSpPr>
-        <p:spPr>
-          <a:xfrm rot="16200000">
-            <a:off x="205655" y="3721272"/>
-            <a:ext cx="944489" cy="287451"/>
+            <a:off x="1159207" y="1681938"/>
+            <a:ext cx="2965877" cy="287451"/>
           </a:xfrm>
           <a:prstGeom prst="rect">
             <a:avLst/>
@@ -4284,7 +3640,10 @@
           </a:bodyPr>
           <a:lstStyle/>
           <a:p>
-            <a:pPr algn="l"/>
+            <a:pPr marL="342900" indent="-342900" algn="l">
+              <a:buFont typeface="Wingdings" pitchFamily="2" charset="2"/>
+              <a:buChar char="n"/>
+            </a:pPr>
             <a:r>
               <a:rPr lang="en-US" altLang="ja-JP" sz="1400" dirty="0">
                 <a:solidFill>
@@ -4293,8 +3652,67 @@
                 <a:latin typeface="游ゴシック Medium" panose="020B0500000000000000" pitchFamily="50" charset="-128"/>
                 <a:ea typeface="游ゴシック Medium" panose="020B0500000000000000" pitchFamily="50" charset="-128"/>
               </a:rPr>
-              <a:t>stop flow</a:t>
-            </a:r>
+              <a:t>Deploy(before nodes startup)</a:t>
+            </a:r>
+          </a:p>
+        </p:txBody>
+      </p:sp>
+      <p:sp>
+        <p:nvSpPr>
+          <p:cNvPr id="32" name="上下矢印 31">
+            <a:extLst>
+              <a:ext uri="{FF2B5EF4-FFF2-40B4-BE49-F238E27FC236}">
+                <a16:creationId xmlns:a16="http://schemas.microsoft.com/office/drawing/2014/main" id="{02A0E336-5405-3D43-A4DA-277855136112}"/>
+              </a:ext>
+            </a:extLst>
+          </p:cNvPr>
+          <p:cNvSpPr/>
+          <p:nvPr/>
+        </p:nvSpPr>
+        <p:spPr bwMode="auto">
+          <a:xfrm rot="16200000">
+            <a:off x="4310135" y="1436797"/>
+            <a:ext cx="304800" cy="760102"/>
+          </a:xfrm>
+          <a:prstGeom prst="upDownArrow">
+            <a:avLst/>
+          </a:prstGeom>
+          <a:solidFill>
+            <a:schemeClr val="accent5"/>
+          </a:solidFill>
+          <a:ln>
+            <a:noFill/>
+          </a:ln>
+        </p:spPr>
+        <p:style>
+          <a:lnRef idx="0">
+            <a:scrgbClr r="0" g="0" b="0"/>
+          </a:lnRef>
+          <a:fillRef idx="0">
+            <a:scrgbClr r="0" g="0" b="0"/>
+          </a:fillRef>
+          <a:effectRef idx="0">
+            <a:scrgbClr r="0" g="0" b="0"/>
+          </a:effectRef>
+          <a:fontRef idx="minor">
+            <a:schemeClr val="lt1"/>
+          </a:fontRef>
+        </p:style>
+        <p:txBody>
+          <a:bodyPr rot="0" spcFirstLastPara="0" vertOverflow="overflow" horzOverflow="overflow" vert="horz" wrap="none" lIns="91440" tIns="45720" rIns="91440" bIns="45720" numCol="1" spcCol="0" rtlCol="0" fromWordArt="0" anchor="ctr" anchorCtr="0" forceAA="0" compatLnSpc="1">
+            <a:prstTxWarp prst="textNoShape">
+              <a:avLst/>
+            </a:prstTxWarp>
+            <a:noAutofit/>
+          </a:bodyPr>
+          <a:lstStyle/>
+          <a:p>
+            <a:pPr algn="ctr"/>
+            <a:endParaRPr kumimoji="1" lang="ja-JP" altLang="en-US" sz="1800">
+              <a:solidFill>
+                <a:schemeClr val="tx1"/>
+              </a:solidFill>
+            </a:endParaRPr>
           </a:p>
         </p:txBody>
       </p:sp>

--- a/designs/function-node-lifecycle/lifecycle.pptx
+++ b/designs/function-node-lifecycle/lifecycle.pptx
@@ -3117,7 +3117,7 @@
         <p:spPr>
           <a:xfrm>
             <a:off x="1159207" y="5310287"/>
-            <a:ext cx="3044423" cy="481350"/>
+            <a:ext cx="3483646" cy="869149"/>
           </a:xfrm>
           <a:prstGeom prst="rect">
             <a:avLst/>
@@ -3159,6 +3159,41 @@
                 <a:ea typeface="游ゴシック Medium" panose="020B0500000000000000" pitchFamily="50" charset="-128"/>
               </a:rPr>
               <a:t>execute finalization code</a:t>
+            </a:r>
+          </a:p>
+          <a:p>
+            <a:pPr marL="800100" lvl="1" indent="-342900">
+              <a:buFont typeface="+mj-lt"/>
+              <a:buAutoNum type="arabicPeriod"/>
+            </a:pPr>
+            <a:r>
+              <a:rPr lang="en-US" altLang="ja-JP" sz="1400" dirty="0">
+                <a:solidFill>
+                  <a:schemeClr val="tx1"/>
+                </a:solidFill>
+                <a:latin typeface="游ゴシック Medium" panose="020B0500000000000000" pitchFamily="50" charset="-128"/>
+                <a:ea typeface="游ゴシック Medium" panose="020B0500000000000000" pitchFamily="50" charset="-128"/>
+              </a:rPr>
+              <a:t>remove locally install modules</a:t>
+            </a:r>
+            <a:br>
+              <a:rPr lang="en-US" altLang="ja-JP" sz="1400" dirty="0">
+                <a:solidFill>
+                  <a:schemeClr val="tx1"/>
+                </a:solidFill>
+                <a:latin typeface="游ゴシック Medium" panose="020B0500000000000000" pitchFamily="50" charset="-128"/>
+                <a:ea typeface="游ゴシック Medium" panose="020B0500000000000000" pitchFamily="50" charset="-128"/>
+              </a:rPr>
+            </a:br>
+            <a:r>
+              <a:rPr lang="en-US" altLang="ja-JP" sz="1400" dirty="0">
+                <a:solidFill>
+                  <a:schemeClr val="tx1"/>
+                </a:solidFill>
+                <a:latin typeface="游ゴシック Medium" panose="020B0500000000000000" pitchFamily="50" charset="-128"/>
+                <a:ea typeface="游ゴシック Medium" panose="020B0500000000000000" pitchFamily="50" charset="-128"/>
+              </a:rPr>
+              <a:t>if node is removed</a:t>
             </a:r>
           </a:p>
         </p:txBody>
